--- a/dokumentaatio/kalvot/kalvot.pptx
+++ b/dokumentaatio/kalvot/kalvot.pptx
@@ -7,9 +7,9 @@
   <p:sldIdLst>
     <p:sldId id="256" r:id="rId2"/>
     <p:sldId id="260" r:id="rId3"/>
-    <p:sldId id="261" r:id="rId4"/>
-    <p:sldId id="259" r:id="rId5"/>
-    <p:sldId id="262" r:id="rId6"/>
+    <p:sldId id="259" r:id="rId4"/>
+    <p:sldId id="262" r:id="rId5"/>
+    <p:sldId id="261" r:id="rId6"/>
   </p:sldIdLst>
   <p:sldSz cx="12192000" cy="6858000"/>
   <p:notesSz cx="6858000" cy="9144000"/>
@@ -247,7 +247,7 @@
           <a:p>
             <a:fld id="{640A932C-1C63-4B70-B5E3-C013E5D3ED17}" type="datetimeFigureOut">
               <a:rPr lang="fi-FI" smtClean="0"/>
-              <a:t>12.1.2017</a:t>
+              <a:t>13.1.2017</a:t>
             </a:fld>
             <a:endParaRPr lang="fi-FI"/>
           </a:p>
@@ -417,7 +417,7 @@
           <a:p>
             <a:fld id="{640A932C-1C63-4B70-B5E3-C013E5D3ED17}" type="datetimeFigureOut">
               <a:rPr lang="fi-FI" smtClean="0"/>
-              <a:t>12.1.2017</a:t>
+              <a:t>13.1.2017</a:t>
             </a:fld>
             <a:endParaRPr lang="fi-FI"/>
           </a:p>
@@ -597,7 +597,7 @@
           <a:p>
             <a:fld id="{640A932C-1C63-4B70-B5E3-C013E5D3ED17}" type="datetimeFigureOut">
               <a:rPr lang="fi-FI" smtClean="0"/>
-              <a:t>12.1.2017</a:t>
+              <a:t>13.1.2017</a:t>
             </a:fld>
             <a:endParaRPr lang="fi-FI"/>
           </a:p>
@@ -767,7 +767,7 @@
           <a:p>
             <a:fld id="{640A932C-1C63-4B70-B5E3-C013E5D3ED17}" type="datetimeFigureOut">
               <a:rPr lang="fi-FI" smtClean="0"/>
-              <a:t>12.1.2017</a:t>
+              <a:t>13.1.2017</a:t>
             </a:fld>
             <a:endParaRPr lang="fi-FI"/>
           </a:p>
@@ -1013,7 +1013,7 @@
           <a:p>
             <a:fld id="{640A932C-1C63-4B70-B5E3-C013E5D3ED17}" type="datetimeFigureOut">
               <a:rPr lang="fi-FI" smtClean="0"/>
-              <a:t>12.1.2017</a:t>
+              <a:t>13.1.2017</a:t>
             </a:fld>
             <a:endParaRPr lang="fi-FI"/>
           </a:p>
@@ -1245,7 +1245,7 @@
           <a:p>
             <a:fld id="{640A932C-1C63-4B70-B5E3-C013E5D3ED17}" type="datetimeFigureOut">
               <a:rPr lang="fi-FI" smtClean="0"/>
-              <a:t>12.1.2017</a:t>
+              <a:t>13.1.2017</a:t>
             </a:fld>
             <a:endParaRPr lang="fi-FI"/>
           </a:p>
@@ -1612,7 +1612,7 @@
           <a:p>
             <a:fld id="{640A932C-1C63-4B70-B5E3-C013E5D3ED17}" type="datetimeFigureOut">
               <a:rPr lang="fi-FI" smtClean="0"/>
-              <a:t>12.1.2017</a:t>
+              <a:t>13.1.2017</a:t>
             </a:fld>
             <a:endParaRPr lang="fi-FI"/>
           </a:p>
@@ -1730,7 +1730,7 @@
           <a:p>
             <a:fld id="{640A932C-1C63-4B70-B5E3-C013E5D3ED17}" type="datetimeFigureOut">
               <a:rPr lang="fi-FI" smtClean="0"/>
-              <a:t>12.1.2017</a:t>
+              <a:t>13.1.2017</a:t>
             </a:fld>
             <a:endParaRPr lang="fi-FI"/>
           </a:p>
@@ -1825,7 +1825,7 @@
           <a:p>
             <a:fld id="{640A932C-1C63-4B70-B5E3-C013E5D3ED17}" type="datetimeFigureOut">
               <a:rPr lang="fi-FI" smtClean="0"/>
-              <a:t>12.1.2017</a:t>
+              <a:t>13.1.2017</a:t>
             </a:fld>
             <a:endParaRPr lang="fi-FI"/>
           </a:p>
@@ -2102,7 +2102,7 @@
           <a:p>
             <a:fld id="{640A932C-1C63-4B70-B5E3-C013E5D3ED17}" type="datetimeFigureOut">
               <a:rPr lang="fi-FI" smtClean="0"/>
-              <a:t>12.1.2017</a:t>
+              <a:t>13.1.2017</a:t>
             </a:fld>
             <a:endParaRPr lang="fi-FI"/>
           </a:p>
@@ -2355,7 +2355,7 @@
           <a:p>
             <a:fld id="{640A932C-1C63-4B70-B5E3-C013E5D3ED17}" type="datetimeFigureOut">
               <a:rPr lang="fi-FI" smtClean="0"/>
-              <a:t>12.1.2017</a:t>
+              <a:t>13.1.2017</a:t>
             </a:fld>
             <a:endParaRPr lang="fi-FI"/>
           </a:p>
@@ -2568,7 +2568,7 @@
           <a:p>
             <a:fld id="{640A932C-1C63-4B70-B5E3-C013E5D3ED17}" type="datetimeFigureOut">
               <a:rPr lang="fi-FI" smtClean="0"/>
-              <a:t>12.1.2017</a:t>
+              <a:t>13.1.2017</a:t>
             </a:fld>
             <a:endParaRPr lang="fi-FI"/>
           </a:p>
@@ -3049,24 +3049,21 @@
         </p:spPr>
         <p:txBody>
           <a:bodyPr>
-            <a:normAutofit lnSpcReduction="10000"/>
+            <a:normAutofit fontScale="92500"/>
           </a:bodyPr>
           <a:lstStyle/>
           <a:p>
             <a:r>
-              <a:rPr lang="fi-FI" dirty="0"/>
+              <a:rPr lang="fi-FI" i="1" dirty="0"/>
               <a:t>Sanakirja, joka muuntaa amerikanenglannin sanat niiden brittivastineiksi</a:t>
             </a:r>
           </a:p>
           <a:p>
-            <a:r>
-              <a:rPr lang="fi-FI" dirty="0"/>
-              <a:t>=/=</a:t>
-            </a:r>
-          </a:p>
-          <a:p>
-            <a:r>
-              <a:rPr lang="fi-FI" dirty="0"/>
+            <a:endParaRPr lang="fi-FI" dirty="0"/>
+          </a:p>
+          <a:p>
+            <a:r>
+              <a:rPr lang="fi-FI" b="1" dirty="0"/>
               <a:t>Tesaurus, joka hakee Iso-Britannian kielialueeseen kuuluvia synonyymejä</a:t>
             </a:r>
           </a:p>
@@ -3081,7 +3078,7 @@
         <p:spPr>
           <a:xfrm>
             <a:off x="7900318" y="4379044"/>
-            <a:ext cx="2844800" cy="1200329"/>
+            <a:ext cx="2844800" cy="1477328"/>
           </a:xfrm>
           <a:prstGeom prst="rect">
             <a:avLst/>
@@ -3093,6 +3090,12 @@
             <a:spAutoFit/>
           </a:bodyPr>
           <a:lstStyle/>
+          <a:p>
+            <a:r>
+              <a:rPr lang="fi-FI" dirty="0"/>
+              <a:t>EI TOIMI:</a:t>
+            </a:r>
+          </a:p>
           <a:p>
             <a:r>
               <a:rPr lang="fi-FI" dirty="0" err="1"/>
@@ -3340,7 +3343,7 @@
             </a:r>
             <a:r>
               <a:rPr lang="fi-FI" dirty="0"/>
-              <a:t>(i)….</a:t>
+              <a:t>(i)…</a:t>
             </a:r>
           </a:p>
         </p:txBody>
@@ -3359,97 +3362,6 @@
 </file>
 
 <file path=ppt/slides/slide3.xml><?xml version="1.0" encoding="utf-8"?>
-<p:sld xmlns:a="http://schemas.openxmlformats.org/drawingml/2006/main" xmlns:r="http://schemas.openxmlformats.org/officeDocument/2006/relationships" xmlns:p="http://schemas.openxmlformats.org/presentationml/2006/main">
-  <p:cSld>
-    <p:spTree>
-      <p:nvGrpSpPr>
-        <p:cNvPr id="1" name=""/>
-        <p:cNvGrpSpPr/>
-        <p:nvPr/>
-      </p:nvGrpSpPr>
-      <p:grpSpPr>
-        <a:xfrm>
-          <a:off x="0" y="0"/>
-          <a:ext cx="0" cy="0"/>
-          <a:chOff x="0" y="0"/>
-          <a:chExt cx="0" cy="0"/>
-        </a:xfrm>
-      </p:grpSpPr>
-      <p:pic>
-        <p:nvPicPr>
-          <p:cNvPr id="3" name="Picture 2"/>
-          <p:cNvPicPr>
-            <a:picLocks noChangeAspect="1"/>
-          </p:cNvPicPr>
-          <p:nvPr/>
-        </p:nvPicPr>
-        <p:blipFill>
-          <a:blip r:embed="rId2">
-            <a:extLst>
-              <a:ext uri="{28A0092B-C50C-407E-A947-70E740481C1C}">
-                <a14:useLocalDpi xmlns:a14="http://schemas.microsoft.com/office/drawing/2010/main" val="0"/>
-              </a:ext>
-            </a:extLst>
-          </a:blip>
-          <a:stretch>
-            <a:fillRect/>
-          </a:stretch>
-        </p:blipFill>
-        <p:spPr>
-          <a:xfrm>
-            <a:off x="1847562" y="-147782"/>
-            <a:ext cx="8382000" cy="6858000"/>
-          </a:xfrm>
-          <a:prstGeom prst="rect">
-            <a:avLst/>
-          </a:prstGeom>
-        </p:spPr>
-      </p:pic>
-      <p:sp>
-        <p:nvSpPr>
-          <p:cNvPr id="4" name="TextBox 3"/>
-          <p:cNvSpPr txBox="1"/>
-          <p:nvPr/>
-        </p:nvSpPr>
-        <p:spPr>
-          <a:xfrm>
-            <a:off x="761133" y="453736"/>
-            <a:ext cx="3257550" cy="769441"/>
-          </a:xfrm>
-          <a:prstGeom prst="rect">
-            <a:avLst/>
-          </a:prstGeom>
-          <a:noFill/>
-        </p:spPr>
-        <p:txBody>
-          <a:bodyPr wrap="square" rtlCol="0">
-            <a:spAutoFit/>
-          </a:bodyPr>
-          <a:lstStyle/>
-          <a:p>
-            <a:r>
-              <a:rPr lang="fi-FI" sz="4400" dirty="0">
-                <a:latin typeface="+mj-lt"/>
-              </a:rPr>
-              <a:t>Luokkakaavio</a:t>
-            </a:r>
-          </a:p>
-        </p:txBody>
-      </p:sp>
-    </p:spTree>
-    <p:extLst>
-      <p:ext uri="{BB962C8B-B14F-4D97-AF65-F5344CB8AC3E}">
-        <p14:creationId xmlns:p14="http://schemas.microsoft.com/office/powerpoint/2010/main" val="1262593390"/>
-      </p:ext>
-    </p:extLst>
-  </p:cSld>
-  <p:clrMapOvr>
-    <a:masterClrMapping/>
-  </p:clrMapOvr>
-</p:sld>
-</file>
-
-<file path=ppt/slides/slide4.xml><?xml version="1.0" encoding="utf-8"?>
 <p:sld xmlns:a="http://schemas.openxmlformats.org/drawingml/2006/main" xmlns:r="http://schemas.openxmlformats.org/officeDocument/2006/relationships" xmlns:p="http://schemas.openxmlformats.org/presentationml/2006/main">
   <p:cSld>
     <p:bg>
@@ -3769,7 +3681,7 @@
 </p:sld>
 </file>
 
-<file path=ppt/slides/slide5.xml><?xml version="1.0" encoding="utf-8"?>
+<file path=ppt/slides/slide4.xml><?xml version="1.0" encoding="utf-8"?>
 <p:sld xmlns:a="http://schemas.openxmlformats.org/drawingml/2006/main" xmlns:r="http://schemas.openxmlformats.org/officeDocument/2006/relationships" xmlns:p="http://schemas.openxmlformats.org/presentationml/2006/main">
   <p:cSld>
     <p:spTree>
@@ -3997,6 +3909,97 @@
     <p:extLst>
       <p:ext uri="{BB962C8B-B14F-4D97-AF65-F5344CB8AC3E}">
         <p14:creationId xmlns:p14="http://schemas.microsoft.com/office/powerpoint/2010/main" val="3096170107"/>
+      </p:ext>
+    </p:extLst>
+  </p:cSld>
+  <p:clrMapOvr>
+    <a:masterClrMapping/>
+  </p:clrMapOvr>
+</p:sld>
+</file>
+
+<file path=ppt/slides/slide5.xml><?xml version="1.0" encoding="utf-8"?>
+<p:sld xmlns:a="http://schemas.openxmlformats.org/drawingml/2006/main" xmlns:r="http://schemas.openxmlformats.org/officeDocument/2006/relationships" xmlns:p="http://schemas.openxmlformats.org/presentationml/2006/main" show="0">
+  <p:cSld>
+    <p:spTree>
+      <p:nvGrpSpPr>
+        <p:cNvPr id="1" name=""/>
+        <p:cNvGrpSpPr/>
+        <p:nvPr/>
+      </p:nvGrpSpPr>
+      <p:grpSpPr>
+        <a:xfrm>
+          <a:off x="0" y="0"/>
+          <a:ext cx="0" cy="0"/>
+          <a:chOff x="0" y="0"/>
+          <a:chExt cx="0" cy="0"/>
+        </a:xfrm>
+      </p:grpSpPr>
+      <p:pic>
+        <p:nvPicPr>
+          <p:cNvPr id="3" name="Picture 2"/>
+          <p:cNvPicPr>
+            <a:picLocks noChangeAspect="1"/>
+          </p:cNvPicPr>
+          <p:nvPr/>
+        </p:nvPicPr>
+        <p:blipFill>
+          <a:blip r:embed="rId2">
+            <a:extLst>
+              <a:ext uri="{28A0092B-C50C-407E-A947-70E740481C1C}">
+                <a14:useLocalDpi xmlns:a14="http://schemas.microsoft.com/office/drawing/2010/main" val="0"/>
+              </a:ext>
+            </a:extLst>
+          </a:blip>
+          <a:stretch>
+            <a:fillRect/>
+          </a:stretch>
+        </p:blipFill>
+        <p:spPr>
+          <a:xfrm>
+            <a:off x="1847562" y="-147782"/>
+            <a:ext cx="8382000" cy="6858000"/>
+          </a:xfrm>
+          <a:prstGeom prst="rect">
+            <a:avLst/>
+          </a:prstGeom>
+        </p:spPr>
+      </p:pic>
+      <p:sp>
+        <p:nvSpPr>
+          <p:cNvPr id="4" name="TextBox 3"/>
+          <p:cNvSpPr txBox="1"/>
+          <p:nvPr/>
+        </p:nvSpPr>
+        <p:spPr>
+          <a:xfrm>
+            <a:off x="761133" y="453736"/>
+            <a:ext cx="3257550" cy="769441"/>
+          </a:xfrm>
+          <a:prstGeom prst="rect">
+            <a:avLst/>
+          </a:prstGeom>
+          <a:noFill/>
+        </p:spPr>
+        <p:txBody>
+          <a:bodyPr wrap="square" rtlCol="0">
+            <a:spAutoFit/>
+          </a:bodyPr>
+          <a:lstStyle/>
+          <a:p>
+            <a:r>
+              <a:rPr lang="fi-FI" sz="4400" dirty="0">
+                <a:latin typeface="+mj-lt"/>
+              </a:rPr>
+              <a:t>Luokkakaavio</a:t>
+            </a:r>
+          </a:p>
+        </p:txBody>
+      </p:sp>
+    </p:spTree>
+    <p:extLst>
+      <p:ext uri="{BB962C8B-B14F-4D97-AF65-F5344CB8AC3E}">
+        <p14:creationId xmlns:p14="http://schemas.microsoft.com/office/powerpoint/2010/main" val="1262593390"/>
       </p:ext>
     </p:extLst>
   </p:cSld>
